--- a/PPT/JS/10JavaScript Math对象.pptx
+++ b/PPT/JS/10JavaScript Math对象.pptx
@@ -16527,7 +16527,15 @@
                 <a:ea typeface="宋体" panose="02010600030101010101" pitchFamily="2" charset="-122"/>
                 <a:sym typeface="+mn-ea"/>
               </a:rPr>
-              <a:t>0-10</a:t>
+              <a:t>[</a:t>
+            </a:r>
+            <a:r>
+              <a:rPr lang="en-US" altLang="zh-CN" sz="2400">
+                <a:latin typeface="仿宋_GB2312" pitchFamily="49" charset="-122"/>
+                <a:ea typeface="宋体" panose="02010600030101010101" pitchFamily="2" charset="-122"/>
+                <a:sym typeface="+mn-ea"/>
+              </a:rPr>
+              <a:t>0,10]</a:t>
             </a:r>
             <a:r>
               <a:rPr lang="zh-CN" altLang="en-US" sz="2400">
